--- a/UNDER DEVELOPMENT/OPAR Version 2/JESTER/SYTGT013_DAMASCUS_NE2_AMMUNITION_FACTORY.pptx
+++ b/UNDER DEVELOPMENT/OPAR Version 2/JESTER/SYTGT013_DAMASCUS_NE2_AMMUNITION_FACTORY.pptx
@@ -110,7 +110,7 @@
   </p:defaultTextStyle>
   <p:extLst>
     <p:ext uri="{EFAFB233-063F-42B5-8137-9DF3F51BA10A}">
-      <p15:sldGuideLst xmlns:p15="http://schemas.microsoft.com/office/powerpoint/2012/main">
+      <p15:sldGuideLst xmlns:p15="http://schemas.microsoft.com/office/powerpoint/2012/main" xmlns="">
         <p15:guide id="1" orient="horz" pos="1620">
           <p15:clr>
             <a:srgbClr val="A4A3A4"/>
@@ -210,7 +210,7 @@
             <a:fld id="{40637A30-8EE1-4060-9976-8832FC89EE34}" type="datetimeFigureOut">
               <a:rPr lang="nb-NO" smtClean="0"/>
               <a:pPr/>
-              <a:t>02.01.2022</a:t>
+              <a:t>09.06.2022</a:t>
             </a:fld>
             <a:endParaRPr lang="nb-NO"/>
           </a:p>
@@ -3618,7 +3618,7 @@
           <p:cNvPr id="26" name="Picture 25" descr="A picture containing text&#10;&#10;Description automatically generated">
             <a:extLst>
               <a:ext uri="{FF2B5EF4-FFF2-40B4-BE49-F238E27FC236}">
-                <a16:creationId xmlns:a16="http://schemas.microsoft.com/office/drawing/2014/main" id="{149DB21C-F929-420C-9B42-FED83CE723EE}"/>
+                <a16:creationId xmlns:a16="http://schemas.microsoft.com/office/drawing/2014/main" xmlns="" id="{149DB21C-F929-420C-9B42-FED83CE723EE}"/>
               </a:ext>
             </a:extLst>
           </p:cNvPr>
@@ -3631,7 +3631,7 @@
           <a:blip r:embed="rId2" cstate="print">
             <a:extLst>
               <a:ext uri="{BEBA8EAE-BF5A-486C-A8C5-ECC9F3942E4B}">
-                <a14:imgProps xmlns:a14="http://schemas.microsoft.com/office/drawing/2010/main">
+                <a14:imgProps xmlns:a14="http://schemas.microsoft.com/office/drawing/2010/main" xmlns="">
                   <a14:imgLayer r:embed="rId3">
                     <a14:imgEffect>
                       <a14:artisticFilmGrain/>
@@ -3643,7 +3643,7 @@
                 </a14:imgProps>
               </a:ext>
               <a:ext uri="{28A0092B-C50C-407E-A947-70E740481C1C}">
-                <a14:useLocalDpi xmlns:a14="http://schemas.microsoft.com/office/drawing/2010/main" val="0"/>
+                <a14:useLocalDpi xmlns:a14="http://schemas.microsoft.com/office/drawing/2010/main" xmlns="" val="0"/>
               </a:ext>
             </a:extLst>
           </a:blip>
@@ -4897,7 +4897,7 @@
           <p:cNvPr id="109" name="Isosceles Triangle 108">
             <a:extLst>
               <a:ext uri="{FF2B5EF4-FFF2-40B4-BE49-F238E27FC236}">
-                <a16:creationId xmlns:a16="http://schemas.microsoft.com/office/drawing/2014/main" id="{8021E230-E295-4E4D-AFCF-5AC78C48BE31}"/>
+                <a16:creationId xmlns:a16="http://schemas.microsoft.com/office/drawing/2014/main" xmlns="" id="{8021E230-E295-4E4D-AFCF-5AC78C48BE31}"/>
               </a:ext>
             </a:extLst>
           </p:cNvPr>
@@ -4969,7 +4969,7 @@
           <p:cNvPr id="110" name="Isosceles Triangle 109">
             <a:extLst>
               <a:ext uri="{FF2B5EF4-FFF2-40B4-BE49-F238E27FC236}">
-                <a16:creationId xmlns:a16="http://schemas.microsoft.com/office/drawing/2014/main" id="{45ED1155-243A-4636-9757-DFE01E6923F1}"/>
+                <a16:creationId xmlns:a16="http://schemas.microsoft.com/office/drawing/2014/main" xmlns="" id="{45ED1155-243A-4636-9757-DFE01E6923F1}"/>
               </a:ext>
             </a:extLst>
           </p:cNvPr>
@@ -5041,7 +5041,7 @@
           <p:cNvPr id="111" name="Isosceles Triangle 110">
             <a:extLst>
               <a:ext uri="{FF2B5EF4-FFF2-40B4-BE49-F238E27FC236}">
-                <a16:creationId xmlns:a16="http://schemas.microsoft.com/office/drawing/2014/main" id="{030CD843-B4A1-4E26-B887-62D8D40E9D0C}"/>
+                <a16:creationId xmlns:a16="http://schemas.microsoft.com/office/drawing/2014/main" xmlns="" id="{030CD843-B4A1-4E26-B887-62D8D40E9D0C}"/>
               </a:ext>
             </a:extLst>
           </p:cNvPr>
@@ -5113,7 +5113,7 @@
           <p:cNvPr id="112" name="Isosceles Triangle 111">
             <a:extLst>
               <a:ext uri="{FF2B5EF4-FFF2-40B4-BE49-F238E27FC236}">
-                <a16:creationId xmlns:a16="http://schemas.microsoft.com/office/drawing/2014/main" id="{1EC3E25E-EDC0-4231-B1AE-A1DF7B6D7098}"/>
+                <a16:creationId xmlns:a16="http://schemas.microsoft.com/office/drawing/2014/main" xmlns="" id="{1EC3E25E-EDC0-4231-B1AE-A1DF7B6D7098}"/>
               </a:ext>
             </a:extLst>
           </p:cNvPr>
@@ -5185,7 +5185,7 @@
           <p:cNvPr id="113" name="Isosceles Triangle 112">
             <a:extLst>
               <a:ext uri="{FF2B5EF4-FFF2-40B4-BE49-F238E27FC236}">
-                <a16:creationId xmlns:a16="http://schemas.microsoft.com/office/drawing/2014/main" id="{2CBE2A76-6B99-4425-8F8E-F2C76E024066}"/>
+                <a16:creationId xmlns:a16="http://schemas.microsoft.com/office/drawing/2014/main" xmlns="" id="{2CBE2A76-6B99-4425-8F8E-F2C76E024066}"/>
               </a:ext>
             </a:extLst>
           </p:cNvPr>
@@ -5257,7 +5257,7 @@
           <p:cNvPr id="114" name="Isosceles Triangle 113">
             <a:extLst>
               <a:ext uri="{FF2B5EF4-FFF2-40B4-BE49-F238E27FC236}">
-                <a16:creationId xmlns:a16="http://schemas.microsoft.com/office/drawing/2014/main" id="{A6D5C9FA-A603-497B-A94A-DF50410E9C77}"/>
+                <a16:creationId xmlns:a16="http://schemas.microsoft.com/office/drawing/2014/main" xmlns="" id="{A6D5C9FA-A603-497B-A94A-DF50410E9C77}"/>
               </a:ext>
             </a:extLst>
           </p:cNvPr>
@@ -5329,7 +5329,7 @@
           <p:cNvPr id="115" name="Isosceles Triangle 114">
             <a:extLst>
               <a:ext uri="{FF2B5EF4-FFF2-40B4-BE49-F238E27FC236}">
-                <a16:creationId xmlns:a16="http://schemas.microsoft.com/office/drawing/2014/main" id="{4B5E795C-895F-4C7D-8CE4-87FF90AA95F7}"/>
+                <a16:creationId xmlns:a16="http://schemas.microsoft.com/office/drawing/2014/main" xmlns="" id="{4B5E795C-895F-4C7D-8CE4-87FF90AA95F7}"/>
               </a:ext>
             </a:extLst>
           </p:cNvPr>
@@ -5401,7 +5401,7 @@
           <p:cNvPr id="116" name="Isosceles Triangle 115">
             <a:extLst>
               <a:ext uri="{FF2B5EF4-FFF2-40B4-BE49-F238E27FC236}">
-                <a16:creationId xmlns:a16="http://schemas.microsoft.com/office/drawing/2014/main" id="{70A8E9E7-E490-495D-921A-1F7175D2967B}"/>
+                <a16:creationId xmlns:a16="http://schemas.microsoft.com/office/drawing/2014/main" xmlns="" id="{70A8E9E7-E490-495D-921A-1F7175D2967B}"/>
               </a:ext>
             </a:extLst>
           </p:cNvPr>
@@ -5473,7 +5473,7 @@
           <p:cNvPr id="117" name="Isosceles Triangle 116">
             <a:extLst>
               <a:ext uri="{FF2B5EF4-FFF2-40B4-BE49-F238E27FC236}">
-                <a16:creationId xmlns:a16="http://schemas.microsoft.com/office/drawing/2014/main" id="{20352A4C-B3D4-4AF4-8416-AFD7E29D57BF}"/>
+                <a16:creationId xmlns:a16="http://schemas.microsoft.com/office/drawing/2014/main" xmlns="" id="{20352A4C-B3D4-4AF4-8416-AFD7E29D57BF}"/>
               </a:ext>
             </a:extLst>
           </p:cNvPr>
@@ -5545,7 +5545,7 @@
           <p:cNvPr id="118" name="TextBox 117">
             <a:extLst>
               <a:ext uri="{FF2B5EF4-FFF2-40B4-BE49-F238E27FC236}">
-                <a16:creationId xmlns:a16="http://schemas.microsoft.com/office/drawing/2014/main" id="{F71C0959-2462-43E6-AE71-650D4F3BB21A}"/>
+                <a16:creationId xmlns:a16="http://schemas.microsoft.com/office/drawing/2014/main" xmlns="" id="{F71C0959-2462-43E6-AE71-650D4F3BB21A}"/>
               </a:ext>
             </a:extLst>
           </p:cNvPr>
@@ -5589,7 +5589,7 @@
           <p:cNvPr id="119" name="TextBox 118">
             <a:extLst>
               <a:ext uri="{FF2B5EF4-FFF2-40B4-BE49-F238E27FC236}">
-                <a16:creationId xmlns:a16="http://schemas.microsoft.com/office/drawing/2014/main" id="{0693096D-98E6-483E-90DC-CB590693287B}"/>
+                <a16:creationId xmlns:a16="http://schemas.microsoft.com/office/drawing/2014/main" xmlns="" id="{0693096D-98E6-483E-90DC-CB590693287B}"/>
               </a:ext>
             </a:extLst>
           </p:cNvPr>
@@ -5633,7 +5633,7 @@
           <p:cNvPr id="120" name="TextBox 119">
             <a:extLst>
               <a:ext uri="{FF2B5EF4-FFF2-40B4-BE49-F238E27FC236}">
-                <a16:creationId xmlns:a16="http://schemas.microsoft.com/office/drawing/2014/main" id="{9BF9C091-E5EA-41A2-933F-7C859B35CD7D}"/>
+                <a16:creationId xmlns:a16="http://schemas.microsoft.com/office/drawing/2014/main" xmlns="" id="{9BF9C091-E5EA-41A2-933F-7C859B35CD7D}"/>
               </a:ext>
             </a:extLst>
           </p:cNvPr>
@@ -5677,7 +5677,7 @@
           <p:cNvPr id="122" name="Isosceles Triangle 121">
             <a:extLst>
               <a:ext uri="{FF2B5EF4-FFF2-40B4-BE49-F238E27FC236}">
-                <a16:creationId xmlns:a16="http://schemas.microsoft.com/office/drawing/2014/main" id="{D568F960-C306-4B8D-ACF5-A65B2EE6EFE0}"/>
+                <a16:creationId xmlns:a16="http://schemas.microsoft.com/office/drawing/2014/main" xmlns="" id="{D568F960-C306-4B8D-ACF5-A65B2EE6EFE0}"/>
               </a:ext>
             </a:extLst>
           </p:cNvPr>
@@ -5733,7 +5733,7 @@
           <p:cNvPr id="123" name="Isosceles Triangle 122">
             <a:extLst>
               <a:ext uri="{FF2B5EF4-FFF2-40B4-BE49-F238E27FC236}">
-                <a16:creationId xmlns:a16="http://schemas.microsoft.com/office/drawing/2014/main" id="{1EAFBD6B-5198-4A10-A52F-C2D5C4BEB648}"/>
+                <a16:creationId xmlns:a16="http://schemas.microsoft.com/office/drawing/2014/main" xmlns="" id="{1EAFBD6B-5198-4A10-A52F-C2D5C4BEB648}"/>
               </a:ext>
             </a:extLst>
           </p:cNvPr>
@@ -5789,7 +5789,7 @@
           <p:cNvPr id="124" name="Isosceles Triangle 123">
             <a:extLst>
               <a:ext uri="{FF2B5EF4-FFF2-40B4-BE49-F238E27FC236}">
-                <a16:creationId xmlns:a16="http://schemas.microsoft.com/office/drawing/2014/main" id="{DE5B9200-B477-4A16-9C32-B68C5A0DFB03}"/>
+                <a16:creationId xmlns:a16="http://schemas.microsoft.com/office/drawing/2014/main" xmlns="" id="{DE5B9200-B477-4A16-9C32-B68C5A0DFB03}"/>
               </a:ext>
             </a:extLst>
           </p:cNvPr>
@@ -5845,7 +5845,7 @@
           <p:cNvPr id="27" name="Freeform: Shape 26">
             <a:extLst>
               <a:ext uri="{FF2B5EF4-FFF2-40B4-BE49-F238E27FC236}">
-                <a16:creationId xmlns:a16="http://schemas.microsoft.com/office/drawing/2014/main" id="{7B1BAF41-3A00-4AFB-995D-EAC1EA2B93D5}"/>
+                <a16:creationId xmlns:a16="http://schemas.microsoft.com/office/drawing/2014/main" xmlns="" id="{7B1BAF41-3A00-4AFB-995D-EAC1EA2B93D5}"/>
               </a:ext>
             </a:extLst>
           </p:cNvPr>
@@ -5998,7 +5998,7 @@
           <p:cNvPr id="28" name="Freeform: Shape 27">
             <a:extLst>
               <a:ext uri="{FF2B5EF4-FFF2-40B4-BE49-F238E27FC236}">
-                <a16:creationId xmlns:a16="http://schemas.microsoft.com/office/drawing/2014/main" id="{C72922AE-F078-4CCA-8FFE-ED6676BA3AD5}"/>
+                <a16:creationId xmlns:a16="http://schemas.microsoft.com/office/drawing/2014/main" xmlns="" id="{C72922AE-F078-4CCA-8FFE-ED6676BA3AD5}"/>
               </a:ext>
             </a:extLst>
           </p:cNvPr>
@@ -6105,7 +6105,7 @@
     </p:spTree>
     <p:extLst>
       <p:ext uri="{BB962C8B-B14F-4D97-AF65-F5344CB8AC3E}">
-        <p14:creationId xmlns:p14="http://schemas.microsoft.com/office/powerpoint/2010/main" val="49096620"/>
+        <p14:creationId xmlns:p14="http://schemas.microsoft.com/office/powerpoint/2010/main" xmlns="" val="49096620"/>
       </p:ext>
     </p:extLst>
   </p:cSld>
@@ -6214,7 +6214,7 @@
           <p:cNvPr id="19" name="TextBox 18">
             <a:extLst>
               <a:ext uri="{FF2B5EF4-FFF2-40B4-BE49-F238E27FC236}">
-                <a16:creationId xmlns:a16="http://schemas.microsoft.com/office/drawing/2014/main" id="{8BE4C55F-9BCE-4FE9-946B-10A71EBE151E}"/>
+                <a16:creationId xmlns:a16="http://schemas.microsoft.com/office/drawing/2014/main" xmlns="" id="{8BE4C55F-9BCE-4FE9-946B-10A71EBE151E}"/>
               </a:ext>
             </a:extLst>
           </p:cNvPr>
@@ -6254,7 +6254,7 @@
           <p:cNvPr id="108" name="Pil opp 2">
             <a:extLst>
               <a:ext uri="{FF2B5EF4-FFF2-40B4-BE49-F238E27FC236}">
-                <a16:creationId xmlns:a16="http://schemas.microsoft.com/office/drawing/2014/main" id="{8EDFA289-5CA1-43F5-BDF0-36ED858A8B0F}"/>
+                <a16:creationId xmlns:a16="http://schemas.microsoft.com/office/drawing/2014/main" xmlns="" id="{8EDFA289-5CA1-43F5-BDF0-36ED858A8B0F}"/>
               </a:ext>
             </a:extLst>
           </p:cNvPr>
@@ -6309,7 +6309,7 @@
           <p:cNvPr id="136" name="Picture 135" descr="A picture containing text, electronics&#10;&#10;Description automatically generated">
             <a:extLst>
               <a:ext uri="{FF2B5EF4-FFF2-40B4-BE49-F238E27FC236}">
-                <a16:creationId xmlns:a16="http://schemas.microsoft.com/office/drawing/2014/main" id="{CB5515C9-CBAF-4EE5-9A12-F7AAD730EE22}"/>
+                <a16:creationId xmlns:a16="http://schemas.microsoft.com/office/drawing/2014/main" xmlns="" id="{CB5515C9-CBAF-4EE5-9A12-F7AAD730EE22}"/>
               </a:ext>
             </a:extLst>
           </p:cNvPr>
@@ -6322,7 +6322,7 @@
           <a:blip r:embed="rId2" cstate="print">
             <a:extLst>
               <a:ext uri="{BEBA8EAE-BF5A-486C-A8C5-ECC9F3942E4B}">
-                <a14:imgProps xmlns:a14="http://schemas.microsoft.com/office/drawing/2010/main">
+                <a14:imgProps xmlns:a14="http://schemas.microsoft.com/office/drawing/2010/main" xmlns="">
                   <a14:imgLayer r:embed="rId3">
                     <a14:imgEffect>
                       <a14:artisticFilmGrain/>
@@ -6334,7 +6334,7 @@
                 </a14:imgProps>
               </a:ext>
               <a:ext uri="{28A0092B-C50C-407E-A947-70E740481C1C}">
-                <a14:useLocalDpi xmlns:a14="http://schemas.microsoft.com/office/drawing/2010/main" val="0"/>
+                <a14:useLocalDpi xmlns:a14="http://schemas.microsoft.com/office/drawing/2010/main" xmlns="" val="0"/>
               </a:ext>
             </a:extLst>
           </a:blip>
@@ -6356,7 +6356,7 @@
           <p:cNvPr id="137" name="Freeform: Shape 136">
             <a:extLst>
               <a:ext uri="{FF2B5EF4-FFF2-40B4-BE49-F238E27FC236}">
-                <a16:creationId xmlns:a16="http://schemas.microsoft.com/office/drawing/2014/main" id="{FD1D09B3-74C7-457A-8524-DA5B5B8E2CD0}"/>
+                <a16:creationId xmlns:a16="http://schemas.microsoft.com/office/drawing/2014/main" xmlns="" id="{FD1D09B3-74C7-457A-8524-DA5B5B8E2CD0}"/>
               </a:ext>
             </a:extLst>
           </p:cNvPr>
@@ -6573,7 +6573,7 @@
           <p:cNvPr id="138" name="Pil opp 2">
             <a:extLst>
               <a:ext uri="{FF2B5EF4-FFF2-40B4-BE49-F238E27FC236}">
-                <a16:creationId xmlns:a16="http://schemas.microsoft.com/office/drawing/2014/main" id="{96968EA0-4647-44BF-8A77-A5F05AFE41F1}"/>
+                <a16:creationId xmlns:a16="http://schemas.microsoft.com/office/drawing/2014/main" xmlns="" id="{96968EA0-4647-44BF-8A77-A5F05AFE41F1}"/>
               </a:ext>
             </a:extLst>
           </p:cNvPr>
@@ -6628,7 +6628,7 @@
           <p:cNvPr id="139" name="Isosceles Triangle 138">
             <a:extLst>
               <a:ext uri="{FF2B5EF4-FFF2-40B4-BE49-F238E27FC236}">
-                <a16:creationId xmlns:a16="http://schemas.microsoft.com/office/drawing/2014/main" id="{3B01A4F3-F799-473D-8C0B-79C5423F7944}"/>
+                <a16:creationId xmlns:a16="http://schemas.microsoft.com/office/drawing/2014/main" xmlns="" id="{3B01A4F3-F799-473D-8C0B-79C5423F7944}"/>
               </a:ext>
             </a:extLst>
           </p:cNvPr>
@@ -6700,7 +6700,7 @@
           <p:cNvPr id="140" name="Isosceles Triangle 139">
             <a:extLst>
               <a:ext uri="{FF2B5EF4-FFF2-40B4-BE49-F238E27FC236}">
-                <a16:creationId xmlns:a16="http://schemas.microsoft.com/office/drawing/2014/main" id="{970AAFE1-7DEC-4A53-9942-B952BE516234}"/>
+                <a16:creationId xmlns:a16="http://schemas.microsoft.com/office/drawing/2014/main" xmlns="" id="{970AAFE1-7DEC-4A53-9942-B952BE516234}"/>
               </a:ext>
             </a:extLst>
           </p:cNvPr>
@@ -6756,7 +6756,7 @@
           <p:cNvPr id="141" name="Isosceles Triangle 140">
             <a:extLst>
               <a:ext uri="{FF2B5EF4-FFF2-40B4-BE49-F238E27FC236}">
-                <a16:creationId xmlns:a16="http://schemas.microsoft.com/office/drawing/2014/main" id="{2199935E-B61E-4F57-8E0A-C87EF452662A}"/>
+                <a16:creationId xmlns:a16="http://schemas.microsoft.com/office/drawing/2014/main" xmlns="" id="{2199935E-B61E-4F57-8E0A-C87EF452662A}"/>
               </a:ext>
             </a:extLst>
           </p:cNvPr>
@@ -6812,7 +6812,7 @@
           <p:cNvPr id="142" name="Isosceles Triangle 141">
             <a:extLst>
               <a:ext uri="{FF2B5EF4-FFF2-40B4-BE49-F238E27FC236}">
-                <a16:creationId xmlns:a16="http://schemas.microsoft.com/office/drawing/2014/main" id="{D2904344-35F8-4291-B228-838BDFDDE1B9}"/>
+                <a16:creationId xmlns:a16="http://schemas.microsoft.com/office/drawing/2014/main" xmlns="" id="{D2904344-35F8-4291-B228-838BDFDDE1B9}"/>
               </a:ext>
             </a:extLst>
           </p:cNvPr>
@@ -6868,7 +6868,7 @@
           <p:cNvPr id="143" name="Isosceles Triangle 142">
             <a:extLst>
               <a:ext uri="{FF2B5EF4-FFF2-40B4-BE49-F238E27FC236}">
-                <a16:creationId xmlns:a16="http://schemas.microsoft.com/office/drawing/2014/main" id="{8848B33D-E21D-4F10-9CAF-833C5C1C3D40}"/>
+                <a16:creationId xmlns:a16="http://schemas.microsoft.com/office/drawing/2014/main" xmlns="" id="{8848B33D-E21D-4F10-9CAF-833C5C1C3D40}"/>
               </a:ext>
             </a:extLst>
           </p:cNvPr>
@@ -6924,7 +6924,7 @@
           <p:cNvPr id="144" name="Isosceles Triangle 143">
             <a:extLst>
               <a:ext uri="{FF2B5EF4-FFF2-40B4-BE49-F238E27FC236}">
-                <a16:creationId xmlns:a16="http://schemas.microsoft.com/office/drawing/2014/main" id="{0CAF70C4-9587-4477-924E-2D7548330177}"/>
+                <a16:creationId xmlns:a16="http://schemas.microsoft.com/office/drawing/2014/main" xmlns="" id="{0CAF70C4-9587-4477-924E-2D7548330177}"/>
               </a:ext>
             </a:extLst>
           </p:cNvPr>
@@ -6980,7 +6980,7 @@
           <p:cNvPr id="145" name="Isosceles Triangle 144">
             <a:extLst>
               <a:ext uri="{FF2B5EF4-FFF2-40B4-BE49-F238E27FC236}">
-                <a16:creationId xmlns:a16="http://schemas.microsoft.com/office/drawing/2014/main" id="{61076CF6-D48D-4A9D-9544-2E79F0EB300C}"/>
+                <a16:creationId xmlns:a16="http://schemas.microsoft.com/office/drawing/2014/main" xmlns="" id="{61076CF6-D48D-4A9D-9544-2E79F0EB300C}"/>
               </a:ext>
             </a:extLst>
           </p:cNvPr>
@@ -7036,7 +7036,7 @@
           <p:cNvPr id="146" name="Isosceles Triangle 145">
             <a:extLst>
               <a:ext uri="{FF2B5EF4-FFF2-40B4-BE49-F238E27FC236}">
-                <a16:creationId xmlns:a16="http://schemas.microsoft.com/office/drawing/2014/main" id="{39780C3D-85FC-4DBB-ABB8-94DE7FB64A4B}"/>
+                <a16:creationId xmlns:a16="http://schemas.microsoft.com/office/drawing/2014/main" xmlns="" id="{39780C3D-85FC-4DBB-ABB8-94DE7FB64A4B}"/>
               </a:ext>
             </a:extLst>
           </p:cNvPr>
@@ -7092,7 +7092,7 @@
           <p:cNvPr id="147" name="Isosceles Triangle 146">
             <a:extLst>
               <a:ext uri="{FF2B5EF4-FFF2-40B4-BE49-F238E27FC236}">
-                <a16:creationId xmlns:a16="http://schemas.microsoft.com/office/drawing/2014/main" id="{CDA8D281-383F-41F8-A62D-DDA9CE76A523}"/>
+                <a16:creationId xmlns:a16="http://schemas.microsoft.com/office/drawing/2014/main" xmlns="" id="{CDA8D281-383F-41F8-A62D-DDA9CE76A523}"/>
               </a:ext>
             </a:extLst>
           </p:cNvPr>
@@ -7148,7 +7148,7 @@
           <p:cNvPr id="148" name="Isosceles Triangle 147">
             <a:extLst>
               <a:ext uri="{FF2B5EF4-FFF2-40B4-BE49-F238E27FC236}">
-                <a16:creationId xmlns:a16="http://schemas.microsoft.com/office/drawing/2014/main" id="{32D40D7F-40CB-40B4-BA3F-BA0710956A87}"/>
+                <a16:creationId xmlns:a16="http://schemas.microsoft.com/office/drawing/2014/main" xmlns="" id="{32D40D7F-40CB-40B4-BA3F-BA0710956A87}"/>
               </a:ext>
             </a:extLst>
           </p:cNvPr>
@@ -7204,7 +7204,7 @@
           <p:cNvPr id="149" name="Isosceles Triangle 148">
             <a:extLst>
               <a:ext uri="{FF2B5EF4-FFF2-40B4-BE49-F238E27FC236}">
-                <a16:creationId xmlns:a16="http://schemas.microsoft.com/office/drawing/2014/main" id="{BB85D576-85DB-41EE-8822-A23A8A4A2709}"/>
+                <a16:creationId xmlns:a16="http://schemas.microsoft.com/office/drawing/2014/main" xmlns="" id="{BB85D576-85DB-41EE-8822-A23A8A4A2709}"/>
               </a:ext>
             </a:extLst>
           </p:cNvPr>
@@ -7260,7 +7260,7 @@
           <p:cNvPr id="150" name="Isosceles Triangle 149">
             <a:extLst>
               <a:ext uri="{FF2B5EF4-FFF2-40B4-BE49-F238E27FC236}">
-                <a16:creationId xmlns:a16="http://schemas.microsoft.com/office/drawing/2014/main" id="{AC217FAE-7FD5-40B3-BE4E-6106252088B4}"/>
+                <a16:creationId xmlns:a16="http://schemas.microsoft.com/office/drawing/2014/main" xmlns="" id="{AC217FAE-7FD5-40B3-BE4E-6106252088B4}"/>
               </a:ext>
             </a:extLst>
           </p:cNvPr>
@@ -7316,7 +7316,7 @@
           <p:cNvPr id="151" name="TextBox 150">
             <a:extLst>
               <a:ext uri="{FF2B5EF4-FFF2-40B4-BE49-F238E27FC236}">
-                <a16:creationId xmlns:a16="http://schemas.microsoft.com/office/drawing/2014/main" id="{54EBE132-D5EE-4B3A-BF4D-881F033DEB48}"/>
+                <a16:creationId xmlns:a16="http://schemas.microsoft.com/office/drawing/2014/main" xmlns="" id="{54EBE132-D5EE-4B3A-BF4D-881F033DEB48}"/>
               </a:ext>
             </a:extLst>
           </p:cNvPr>
@@ -7360,7 +7360,7 @@
           <p:cNvPr id="152" name="TextBox 151">
             <a:extLst>
               <a:ext uri="{FF2B5EF4-FFF2-40B4-BE49-F238E27FC236}">
-                <a16:creationId xmlns:a16="http://schemas.microsoft.com/office/drawing/2014/main" id="{BF1EA925-4250-4AD5-98EA-54F0B722B579}"/>
+                <a16:creationId xmlns:a16="http://schemas.microsoft.com/office/drawing/2014/main" xmlns="" id="{BF1EA925-4250-4AD5-98EA-54F0B722B579}"/>
               </a:ext>
             </a:extLst>
           </p:cNvPr>
@@ -7404,7 +7404,7 @@
           <p:cNvPr id="153" name="TextBox 152">
             <a:extLst>
               <a:ext uri="{FF2B5EF4-FFF2-40B4-BE49-F238E27FC236}">
-                <a16:creationId xmlns:a16="http://schemas.microsoft.com/office/drawing/2014/main" id="{073C5F41-B185-4671-B80E-71F1BECEA6BF}"/>
+                <a16:creationId xmlns:a16="http://schemas.microsoft.com/office/drawing/2014/main" xmlns="" id="{073C5F41-B185-4671-B80E-71F1BECEA6BF}"/>
               </a:ext>
             </a:extLst>
           </p:cNvPr>
@@ -7448,7 +7448,7 @@
           <p:cNvPr id="154" name="TextBox 153">
             <a:extLst>
               <a:ext uri="{FF2B5EF4-FFF2-40B4-BE49-F238E27FC236}">
-                <a16:creationId xmlns:a16="http://schemas.microsoft.com/office/drawing/2014/main" id="{E051CC9C-BEF4-4D6A-8154-5DEDAAF225E2}"/>
+                <a16:creationId xmlns:a16="http://schemas.microsoft.com/office/drawing/2014/main" xmlns="" id="{E051CC9C-BEF4-4D6A-8154-5DEDAAF225E2}"/>
               </a:ext>
             </a:extLst>
           </p:cNvPr>
@@ -7492,7 +7492,7 @@
           <p:cNvPr id="155" name="TextBox 154">
             <a:extLst>
               <a:ext uri="{FF2B5EF4-FFF2-40B4-BE49-F238E27FC236}">
-                <a16:creationId xmlns:a16="http://schemas.microsoft.com/office/drawing/2014/main" id="{C772C40F-F002-4588-95B6-210E948B1360}"/>
+                <a16:creationId xmlns:a16="http://schemas.microsoft.com/office/drawing/2014/main" xmlns="" id="{C772C40F-F002-4588-95B6-210E948B1360}"/>
               </a:ext>
             </a:extLst>
           </p:cNvPr>
@@ -7536,7 +7536,7 @@
           <p:cNvPr id="156" name="TextBox 155">
             <a:extLst>
               <a:ext uri="{FF2B5EF4-FFF2-40B4-BE49-F238E27FC236}">
-                <a16:creationId xmlns:a16="http://schemas.microsoft.com/office/drawing/2014/main" id="{1DD53A4A-1DC1-4A56-807B-7E5447B6D2AE}"/>
+                <a16:creationId xmlns:a16="http://schemas.microsoft.com/office/drawing/2014/main" xmlns="" id="{1DD53A4A-1DC1-4A56-807B-7E5447B6D2AE}"/>
               </a:ext>
             </a:extLst>
           </p:cNvPr>
@@ -7580,7 +7580,7 @@
           <p:cNvPr id="157" name="TextBox 156">
             <a:extLst>
               <a:ext uri="{FF2B5EF4-FFF2-40B4-BE49-F238E27FC236}">
-                <a16:creationId xmlns:a16="http://schemas.microsoft.com/office/drawing/2014/main" id="{F7C08C3E-E3DE-43A8-8845-8983A81ADFE7}"/>
+                <a16:creationId xmlns:a16="http://schemas.microsoft.com/office/drawing/2014/main" xmlns="" id="{F7C08C3E-E3DE-43A8-8845-8983A81ADFE7}"/>
               </a:ext>
             </a:extLst>
           </p:cNvPr>
@@ -7624,7 +7624,7 @@
           <p:cNvPr id="158" name="TextBox 157">
             <a:extLst>
               <a:ext uri="{FF2B5EF4-FFF2-40B4-BE49-F238E27FC236}">
-                <a16:creationId xmlns:a16="http://schemas.microsoft.com/office/drawing/2014/main" id="{DD65EBAA-4CD8-4134-B751-EE684C86E394}"/>
+                <a16:creationId xmlns:a16="http://schemas.microsoft.com/office/drawing/2014/main" xmlns="" id="{DD65EBAA-4CD8-4134-B751-EE684C86E394}"/>
               </a:ext>
             </a:extLst>
           </p:cNvPr>
@@ -7668,7 +7668,7 @@
           <p:cNvPr id="159" name="TextBox 158">
             <a:extLst>
               <a:ext uri="{FF2B5EF4-FFF2-40B4-BE49-F238E27FC236}">
-                <a16:creationId xmlns:a16="http://schemas.microsoft.com/office/drawing/2014/main" id="{8B20B982-3E67-4BA6-B522-7D8E93070E2F}"/>
+                <a16:creationId xmlns:a16="http://schemas.microsoft.com/office/drawing/2014/main" xmlns="" id="{8B20B982-3E67-4BA6-B522-7D8E93070E2F}"/>
               </a:ext>
             </a:extLst>
           </p:cNvPr>
@@ -7712,7 +7712,7 @@
           <p:cNvPr id="160" name="TextBox 159">
             <a:extLst>
               <a:ext uri="{FF2B5EF4-FFF2-40B4-BE49-F238E27FC236}">
-                <a16:creationId xmlns:a16="http://schemas.microsoft.com/office/drawing/2014/main" id="{BE70B046-4D13-411D-A7C9-17A51FAC91FF}"/>
+                <a16:creationId xmlns:a16="http://schemas.microsoft.com/office/drawing/2014/main" xmlns="" id="{BE70B046-4D13-411D-A7C9-17A51FAC91FF}"/>
               </a:ext>
             </a:extLst>
           </p:cNvPr>
@@ -7756,7 +7756,7 @@
           <p:cNvPr id="161" name="TextBox 160">
             <a:extLst>
               <a:ext uri="{FF2B5EF4-FFF2-40B4-BE49-F238E27FC236}">
-                <a16:creationId xmlns:a16="http://schemas.microsoft.com/office/drawing/2014/main" id="{81E61DA6-121C-4F2A-A8A0-66D6EE847F06}"/>
+                <a16:creationId xmlns:a16="http://schemas.microsoft.com/office/drawing/2014/main" xmlns="" id="{81E61DA6-121C-4F2A-A8A0-66D6EE847F06}"/>
               </a:ext>
             </a:extLst>
           </p:cNvPr>
@@ -7800,7 +7800,7 @@
           <p:cNvPr id="164" name="Freeform: Shape 163">
             <a:extLst>
               <a:ext uri="{FF2B5EF4-FFF2-40B4-BE49-F238E27FC236}">
-                <a16:creationId xmlns:a16="http://schemas.microsoft.com/office/drawing/2014/main" id="{D7217577-28AB-45D0-AC14-71C7B7BAB333}"/>
+                <a16:creationId xmlns:a16="http://schemas.microsoft.com/office/drawing/2014/main" xmlns="" id="{D7217577-28AB-45D0-AC14-71C7B7BAB333}"/>
               </a:ext>
             </a:extLst>
           </p:cNvPr>
@@ -7907,7 +7907,7 @@
     </p:spTree>
     <p:extLst>
       <p:ext uri="{BB962C8B-B14F-4D97-AF65-F5344CB8AC3E}">
-        <p14:creationId xmlns:p14="http://schemas.microsoft.com/office/powerpoint/2010/main" val="680823514"/>
+        <p14:creationId xmlns:p14="http://schemas.microsoft.com/office/powerpoint/2010/main" xmlns="" val="680823514"/>
       </p:ext>
     </p:extLst>
   </p:cSld>
